--- a/book_chapters_LaTeX_original/images/i02j0igraph.pptx
+++ b/book_chapters_LaTeX_original/images/i02j0igraph.pptx
@@ -288,7 +288,7 @@
           <a:p>
             <a:fld id="{8BA8330E-9FC5-496D-88BD-B17BB0077CDE}" type="datetimeFigureOut">
               <a:rPr lang="fr-FR" smtClean="0"/>
-              <a:t>27/11/2013</a:t>
+              <a:t>17/02/2016</a:t>
             </a:fld>
             <a:endParaRPr lang="fr-FR"/>
           </a:p>
@@ -458,7 +458,7 @@
           <a:p>
             <a:fld id="{8BA8330E-9FC5-496D-88BD-B17BB0077CDE}" type="datetimeFigureOut">
               <a:rPr lang="fr-FR" smtClean="0"/>
-              <a:t>27/11/2013</a:t>
+              <a:t>17/02/2016</a:t>
             </a:fld>
             <a:endParaRPr lang="fr-FR"/>
           </a:p>
@@ -638,7 +638,7 @@
           <a:p>
             <a:fld id="{8BA8330E-9FC5-496D-88BD-B17BB0077CDE}" type="datetimeFigureOut">
               <a:rPr lang="fr-FR" smtClean="0"/>
-              <a:t>27/11/2013</a:t>
+              <a:t>17/02/2016</a:t>
             </a:fld>
             <a:endParaRPr lang="fr-FR"/>
           </a:p>
@@ -808,7 +808,7 @@
           <a:p>
             <a:fld id="{8BA8330E-9FC5-496D-88BD-B17BB0077CDE}" type="datetimeFigureOut">
               <a:rPr lang="fr-FR" smtClean="0"/>
-              <a:t>27/11/2013</a:t>
+              <a:t>17/02/2016</a:t>
             </a:fld>
             <a:endParaRPr lang="fr-FR"/>
           </a:p>
@@ -1054,7 +1054,7 @@
           <a:p>
             <a:fld id="{8BA8330E-9FC5-496D-88BD-B17BB0077CDE}" type="datetimeFigureOut">
               <a:rPr lang="fr-FR" smtClean="0"/>
-              <a:t>27/11/2013</a:t>
+              <a:t>17/02/2016</a:t>
             </a:fld>
             <a:endParaRPr lang="fr-FR"/>
           </a:p>
@@ -1342,7 +1342,7 @@
           <a:p>
             <a:fld id="{8BA8330E-9FC5-496D-88BD-B17BB0077CDE}" type="datetimeFigureOut">
               <a:rPr lang="fr-FR" smtClean="0"/>
-              <a:t>27/11/2013</a:t>
+              <a:t>17/02/2016</a:t>
             </a:fld>
             <a:endParaRPr lang="fr-FR"/>
           </a:p>
@@ -1764,7 +1764,7 @@
           <a:p>
             <a:fld id="{8BA8330E-9FC5-496D-88BD-B17BB0077CDE}" type="datetimeFigureOut">
               <a:rPr lang="fr-FR" smtClean="0"/>
-              <a:t>27/11/2013</a:t>
+              <a:t>17/02/2016</a:t>
             </a:fld>
             <a:endParaRPr lang="fr-FR"/>
           </a:p>
@@ -1882,7 +1882,7 @@
           <a:p>
             <a:fld id="{8BA8330E-9FC5-496D-88BD-B17BB0077CDE}" type="datetimeFigureOut">
               <a:rPr lang="fr-FR" smtClean="0"/>
-              <a:t>27/11/2013</a:t>
+              <a:t>17/02/2016</a:t>
             </a:fld>
             <a:endParaRPr lang="fr-FR"/>
           </a:p>
@@ -1977,7 +1977,7 @@
           <a:p>
             <a:fld id="{8BA8330E-9FC5-496D-88BD-B17BB0077CDE}" type="datetimeFigureOut">
               <a:rPr lang="fr-FR" smtClean="0"/>
-              <a:t>27/11/2013</a:t>
+              <a:t>17/02/2016</a:t>
             </a:fld>
             <a:endParaRPr lang="fr-FR"/>
           </a:p>
@@ -2254,7 +2254,7 @@
           <a:p>
             <a:fld id="{8BA8330E-9FC5-496D-88BD-B17BB0077CDE}" type="datetimeFigureOut">
               <a:rPr lang="fr-FR" smtClean="0"/>
-              <a:t>27/11/2013</a:t>
+              <a:t>17/02/2016</a:t>
             </a:fld>
             <a:endParaRPr lang="fr-FR"/>
           </a:p>
@@ -2507,7 +2507,7 @@
           <a:p>
             <a:fld id="{8BA8330E-9FC5-496D-88BD-B17BB0077CDE}" type="datetimeFigureOut">
               <a:rPr lang="fr-FR" smtClean="0"/>
-              <a:t>27/11/2013</a:t>
+              <a:t>17/02/2016</a:t>
             </a:fld>
             <a:endParaRPr lang="fr-FR"/>
           </a:p>
@@ -2720,7 +2720,7 @@
           <a:p>
             <a:fld id="{8BA8330E-9FC5-496D-88BD-B17BB0077CDE}" type="datetimeFigureOut">
               <a:rPr lang="fr-FR" smtClean="0"/>
-              <a:t>27/11/2013</a:t>
+              <a:t>17/02/2016</a:t>
             </a:fld>
             <a:endParaRPr lang="fr-FR"/>
           </a:p>
@@ -3465,7 +3465,7 @@
               <a:rPr lang="en-US" dirty="0" smtClean="0">
                 <a:latin typeface="Times New Roman" panose="02020603050405020304" pitchFamily="18" charset="0"/>
               </a:rPr>
-              <a:t>(0,1)</a:t>
+              <a:t>(2,0)</a:t>
             </a:r>
             <a:endParaRPr lang="fr-FR" dirty="0">
               <a:latin typeface="Times New Roman" panose="02020603050405020304" pitchFamily="18" charset="0"/>
@@ -3533,7 +3533,7 @@
               <a:rPr lang="en-US" dirty="0" smtClean="0">
                 <a:latin typeface="Times New Roman" panose="02020603050405020304" pitchFamily="18" charset="0"/>
               </a:rPr>
-              <a:t>(0,2)</a:t>
+              <a:t>(2,1)</a:t>
             </a:r>
             <a:endParaRPr lang="fr-FR" dirty="0">
               <a:latin typeface="Times New Roman" panose="02020603050405020304" pitchFamily="18" charset="0"/>
